--- a/FFPM/FFPM 813.pptx
+++ b/FFPM/FFPM 813.pptx
@@ -110,6 +110,22 @@
       </a:defRPr>
     </a:lvl9pPr>
   </p:defaultTextStyle>
+  <p:extLst>
+    <p:ext uri="{EFAFB233-063F-42B5-8137-9DF3F51BA10A}">
+      <p15:sldGuideLst xmlns:p15="http://schemas.microsoft.com/office/powerpoint/2012/main">
+        <p15:guide id="1" orient="horz" pos="1620">
+          <p15:clr>
+            <a:srgbClr val="A4A3A4"/>
+          </p15:clr>
+        </p15:guide>
+        <p15:guide id="2" pos="2880">
+          <p15:clr>
+            <a:srgbClr val="A4A3A4"/>
+          </p15:clr>
+        </p15:guide>
+      </p15:sldGuideLst>
+    </p:ext>
+  </p:extLst>
 </p:presentation>
 </file>
 
@@ -295,7 +311,7 @@
             <a:fld id="{965A15C7-6702-4FBD-BFCD-35A171A7D5B1}" type="datetimeFigureOut">
               <a:rPr lang="fr-FR" smtClean="0"/>
               <a:pPr/>
-              <a:t>20/12/2014</a:t>
+              <a:t>27/04/2025</a:t>
             </a:fld>
             <a:endParaRPr lang="fr-FR"/>
           </a:p>
@@ -462,7 +478,7 @@
             <a:fld id="{965A15C7-6702-4FBD-BFCD-35A171A7D5B1}" type="datetimeFigureOut">
               <a:rPr lang="fr-FR" smtClean="0"/>
               <a:pPr/>
-              <a:t>20/12/2014</a:t>
+              <a:t>27/04/2025</a:t>
             </a:fld>
             <a:endParaRPr lang="fr-FR"/>
           </a:p>
@@ -639,7 +655,7 @@
             <a:fld id="{965A15C7-6702-4FBD-BFCD-35A171A7D5B1}" type="datetimeFigureOut">
               <a:rPr lang="fr-FR" smtClean="0"/>
               <a:pPr/>
-              <a:t>20/12/2014</a:t>
+              <a:t>27/04/2025</a:t>
             </a:fld>
             <a:endParaRPr lang="fr-FR"/>
           </a:p>
@@ -806,7 +822,7 @@
             <a:fld id="{965A15C7-6702-4FBD-BFCD-35A171A7D5B1}" type="datetimeFigureOut">
               <a:rPr lang="fr-FR" smtClean="0"/>
               <a:pPr/>
-              <a:t>20/12/2014</a:t>
+              <a:t>27/04/2025</a:t>
             </a:fld>
             <a:endParaRPr lang="fr-FR"/>
           </a:p>
@@ -1049,7 +1065,7 @@
             <a:fld id="{965A15C7-6702-4FBD-BFCD-35A171A7D5B1}" type="datetimeFigureOut">
               <a:rPr lang="fr-FR" smtClean="0"/>
               <a:pPr/>
-              <a:t>20/12/2014</a:t>
+              <a:t>27/04/2025</a:t>
             </a:fld>
             <a:endParaRPr lang="fr-FR"/>
           </a:p>
@@ -1334,7 +1350,7 @@
             <a:fld id="{965A15C7-6702-4FBD-BFCD-35A171A7D5B1}" type="datetimeFigureOut">
               <a:rPr lang="fr-FR" smtClean="0"/>
               <a:pPr/>
-              <a:t>20/12/2014</a:t>
+              <a:t>27/04/2025</a:t>
             </a:fld>
             <a:endParaRPr lang="fr-FR"/>
           </a:p>
@@ -1753,7 +1769,7 @@
             <a:fld id="{965A15C7-6702-4FBD-BFCD-35A171A7D5B1}" type="datetimeFigureOut">
               <a:rPr lang="fr-FR" smtClean="0"/>
               <a:pPr/>
-              <a:t>20/12/2014</a:t>
+              <a:t>27/04/2025</a:t>
             </a:fld>
             <a:endParaRPr lang="fr-FR"/>
           </a:p>
@@ -1868,7 +1884,7 @@
             <a:fld id="{965A15C7-6702-4FBD-BFCD-35A171A7D5B1}" type="datetimeFigureOut">
               <a:rPr lang="fr-FR" smtClean="0"/>
               <a:pPr/>
-              <a:t>20/12/2014</a:t>
+              <a:t>27/04/2025</a:t>
             </a:fld>
             <a:endParaRPr lang="fr-FR"/>
           </a:p>
@@ -1960,7 +1976,7 @@
             <a:fld id="{965A15C7-6702-4FBD-BFCD-35A171A7D5B1}" type="datetimeFigureOut">
               <a:rPr lang="fr-FR" smtClean="0"/>
               <a:pPr/>
-              <a:t>20/12/2014</a:t>
+              <a:t>27/04/2025</a:t>
             </a:fld>
             <a:endParaRPr lang="fr-FR"/>
           </a:p>
@@ -2234,7 +2250,7 @@
             <a:fld id="{965A15C7-6702-4FBD-BFCD-35A171A7D5B1}" type="datetimeFigureOut">
               <a:rPr lang="fr-FR" smtClean="0"/>
               <a:pPr/>
-              <a:t>20/12/2014</a:t>
+              <a:t>27/04/2025</a:t>
             </a:fld>
             <a:endParaRPr lang="fr-FR"/>
           </a:p>
@@ -2484,7 +2500,7 @@
             <a:fld id="{965A15C7-6702-4FBD-BFCD-35A171A7D5B1}" type="datetimeFigureOut">
               <a:rPr lang="fr-FR" smtClean="0"/>
               <a:pPr/>
-              <a:t>20/12/2014</a:t>
+              <a:t>27/04/2025</a:t>
             </a:fld>
             <a:endParaRPr lang="fr-FR"/>
           </a:p>
@@ -2694,7 +2710,7 @@
             <a:fld id="{965A15C7-6702-4FBD-BFCD-35A171A7D5B1}" type="datetimeFigureOut">
               <a:rPr lang="fr-FR" smtClean="0"/>
               <a:pPr/>
-              <a:t>20/12/2014</a:t>
+              <a:t>27/04/2025</a:t>
             </a:fld>
             <a:endParaRPr lang="fr-FR"/>
           </a:p>
@@ -3333,6 +3349,13 @@
   <p:clrMapOvr>
     <a:masterClrMapping/>
   </p:clrMapOvr>
+  <p:timing>
+    <p:tnLst>
+      <p:par>
+        <p:cTn id="1" dur="indefinite" restart="never" nodeType="tmRoot"/>
+      </p:par>
+    </p:tnLst>
+  </p:timing>
 </p:sld>
 </file>
 
@@ -3393,7 +3416,7 @@
             </a:r>
             <a:r>
               <a:rPr lang="en-GB" sz="5400" b="1" dirty="0" smtClean="0"/>
-              <a:t> </a:t>
+              <a:t>, </a:t>
             </a:r>
             <a:r>
               <a:rPr lang="en-GB" sz="5400" b="1" dirty="0" err="1" smtClean="0"/>
@@ -3513,7 +3536,7 @@
             </a:r>
             <a:r>
               <a:rPr lang="en-GB" sz="5400" b="1" dirty="0" smtClean="0"/>
-              <a:t> </a:t>
+              <a:t>, </a:t>
             </a:r>
             <a:r>
               <a:rPr lang="en-GB" sz="5400" b="1" dirty="0" err="1" smtClean="0"/>
@@ -3547,6 +3570,13 @@
   <p:clrMapOvr>
     <a:masterClrMapping/>
   </p:clrMapOvr>
+  <p:timing>
+    <p:tnLst>
+      <p:par>
+        <p:cTn id="1" dur="indefinite" restart="never" nodeType="tmRoot"/>
+      </p:par>
+    </p:tnLst>
+  </p:timing>
 </p:sld>
 </file>
 
@@ -3741,6 +3771,13 @@
   <p:clrMapOvr>
     <a:masterClrMapping/>
   </p:clrMapOvr>
+  <p:timing>
+    <p:tnLst>
+      <p:par>
+        <p:cTn id="1" dur="indefinite" restart="never" nodeType="tmRoot"/>
+      </p:par>
+    </p:tnLst>
+  </p:timing>
 </p:sld>
 </file>
 
@@ -3939,6 +3976,13 @@
   <p:clrMapOvr>
     <a:masterClrMapping/>
   </p:clrMapOvr>
+  <p:timing>
+    <p:tnLst>
+      <p:par>
+        <p:cTn id="1" dur="indefinite" restart="never" nodeType="tmRoot"/>
+      </p:par>
+    </p:tnLst>
+  </p:timing>
 </p:sld>
 </file>
 
